--- a/Reference_Implementation/Documents/LFE_Summit_Panel.pptx
+++ b/Reference_Implementation/Documents/LFE_Summit_Panel.pptx
@@ -8,15 +8,16 @@
     <p:notesMasterId r:id="rId4"/>
   </p:notesMasterIdLst>
   <p:handoutMasterIdLst>
-    <p:handoutMasterId r:id="rId5"/>
+    <p:handoutMasterId r:id="rId6"/>
   </p:handoutMasterIdLst>
   <p:sldIdLst>
-    <p:sldId id="541" r:id="rId3"/>
+    <p:sldId id="543" r:id="rId3"/>
+    <p:sldId id="542" r:id="rId5"/>
   </p:sldIdLst>
   <p:sldSz cx="12192000" cy="6858000"/>
   <p:notesSz cx="6858000" cy="9144000"/>
   <p:custDataLst>
-    <p:tags r:id="rId9"/>
+    <p:tags r:id="rId10"/>
   </p:custDataLst>
   <p:defaultTextStyle>
     <a:defPPr>
@@ -622,6 +623,105 @@
 </file>
 
 <file path=ppt/notesSlides/notesSlide1.xml><?xml version="1.0" encoding="utf-8"?>
+<p:notes xmlns:a="http://schemas.openxmlformats.org/drawingml/2006/main" xmlns:r="http://schemas.openxmlformats.org/officeDocument/2006/relationships" xmlns:p="http://schemas.openxmlformats.org/presentationml/2006/main" showMasterPhAnim="0" showMasterSp="0">
+  <p:cSld>
+    <p:spTree>
+      <p:nvGrpSpPr>
+        <p:cNvPr id="292" name="Shape 292"/>
+        <p:cNvGrpSpPr/>
+        <p:nvPr/>
+      </p:nvGrpSpPr>
+      <p:grpSpPr>
+        <a:xfrm>
+          <a:off x="0" y="0"/>
+          <a:ext cx="0" cy="0"/>
+          <a:chOff x="0" y="0"/>
+          <a:chExt cx="0" cy="0"/>
+        </a:xfrm>
+      </p:grpSpPr>
+      <p:sp>
+        <p:nvSpPr>
+          <p:cNvPr id="293" name="Google Shape;293;g278514806f9_0_0:notes"/>
+          <p:cNvSpPr/>
+          <p:nvPr>
+            <p:ph type="sldImg" idx="2"/>
+          </p:nvPr>
+        </p:nvSpPr>
+        <p:spPr>
+          <a:xfrm>
+            <a:off x="381300" y="685800"/>
+            <a:ext cx="6096000" cy="3429000"/>
+          </a:xfrm>
+          <a:custGeom>
+            <a:avLst/>
+            <a:gdLst/>
+            <a:ahLst/>
+            <a:cxnLst/>
+            <a:rect l="l" t="t" r="r" b="b"/>
+            <a:pathLst>
+              <a:path w="120000" h="120000" extrusionOk="0">
+                <a:moveTo>
+                  <a:pt x="0" y="0"/>
+                </a:moveTo>
+                <a:lnTo>
+                  <a:pt x="120000" y="0"/>
+                </a:lnTo>
+                <a:lnTo>
+                  <a:pt x="120000" y="120000"/>
+                </a:lnTo>
+                <a:lnTo>
+                  <a:pt x="0" y="120000"/>
+                </a:lnTo>
+                <a:close/>
+              </a:path>
+            </a:pathLst>
+          </a:custGeom>
+        </p:spPr>
+      </p:sp>
+      <p:sp>
+        <p:nvSpPr>
+          <p:cNvPr id="294" name="Google Shape;294;g278514806f9_0_0:notes"/>
+          <p:cNvSpPr txBox="1"/>
+          <p:nvPr>
+            <p:ph type="body" idx="1"/>
+          </p:nvPr>
+        </p:nvSpPr>
+        <p:spPr>
+          <a:xfrm>
+            <a:off x="685800" y="4343400"/>
+            <a:ext cx="5486400" cy="4114800"/>
+          </a:xfrm>
+          <a:prstGeom prst="rect">
+            <a:avLst/>
+          </a:prstGeom>
+        </p:spPr>
+        <p:txBody>
+          <a:bodyPr spcFirstLastPara="1" wrap="square" lIns="91425" tIns="91425" rIns="91425" bIns="91425" anchor="t" anchorCtr="0">
+            <a:noAutofit/>
+          </a:bodyPr>
+          <a:lstStyle/>
+          <a:p>
+            <a:pPr marL="0" lvl="0" indent="0" algn="l" rtl="0">
+              <a:spcBef>
+                <a:spcPts val="0"/>
+              </a:spcBef>
+              <a:spcAft>
+                <a:spcPts val="0"/>
+              </a:spcAft>
+              <a:buNone/>
+            </a:pPr>
+          </a:p>
+        </p:txBody>
+      </p:sp>
+    </p:spTree>
+  </p:cSld>
+  <p:clrMapOvr>
+    <a:masterClrMapping/>
+  </p:clrMapOvr>
+</p:notes>
+</file>
+
+<file path=ppt/notesSlides/notesSlide2.xml><?xml version="1.0" encoding="utf-8"?>
 <p:notes xmlns:a="http://schemas.openxmlformats.org/drawingml/2006/main" xmlns:r="http://schemas.openxmlformats.org/officeDocument/2006/relationships" xmlns:p="http://schemas.openxmlformats.org/presentationml/2006/main">
   <p:cSld>
     <p:spTree>
@@ -1250,6 +1350,827 @@
   <p:clrMapOvr>
     <a:masterClrMapping/>
   </p:clrMapOvr>
+</p:sldLayout>
+</file>
+
+<file path=ppt/slideLayouts/slideLayout13.xml><?xml version="1.0" encoding="utf-8"?>
+<p:sldLayout xmlns:a="http://schemas.openxmlformats.org/drawingml/2006/main" xmlns:r="http://schemas.openxmlformats.org/officeDocument/2006/relationships" xmlns:p="http://schemas.openxmlformats.org/presentationml/2006/main" type="tx" matchingName="Title and body">
+  <p:cSld name="TITLE_AND_BODY">
+    <p:spTree>
+      <p:nvGrpSpPr>
+        <p:cNvPr id="62" name="Shape 62"/>
+        <p:cNvGrpSpPr/>
+        <p:nvPr/>
+      </p:nvGrpSpPr>
+      <p:grpSpPr>
+        <a:xfrm>
+          <a:off x="0" y="0"/>
+          <a:ext cx="0" cy="0"/>
+          <a:chOff x="0" y="0"/>
+          <a:chExt cx="0" cy="0"/>
+        </a:xfrm>
+      </p:grpSpPr>
+      <p:sp>
+        <p:nvSpPr>
+          <p:cNvPr id="63" name="Google Shape;63;p9"/>
+          <p:cNvSpPr/>
+          <p:nvPr/>
+        </p:nvSpPr>
+        <p:spPr>
+          <a:xfrm>
+            <a:off x="11243921" y="5908223"/>
+            <a:ext cx="965600" cy="965600"/>
+          </a:xfrm>
+          <a:prstGeom prst="rect">
+            <a:avLst/>
+          </a:prstGeom>
+          <a:solidFill>
+            <a:schemeClr val="accent2"/>
+          </a:solidFill>
+          <a:ln>
+            <a:noFill/>
+          </a:ln>
+        </p:spPr>
+        <p:txBody>
+          <a:bodyPr spcFirstLastPara="1" wrap="square" lIns="121900" tIns="121900" rIns="121900" bIns="121900" anchor="ctr" anchorCtr="0">
+            <a:noAutofit/>
+          </a:bodyPr>
+          <a:lstStyle/>
+          <a:p>
+            <a:pPr marL="0" marR="0" lvl="0" indent="0" algn="l" rtl="0">
+              <a:lnSpc>
+                <a:spcPct val="100000"/>
+              </a:lnSpc>
+              <a:spcBef>
+                <a:spcPts val="0"/>
+              </a:spcBef>
+              <a:spcAft>
+                <a:spcPts val="0"/>
+              </a:spcAft>
+              <a:buClr>
+                <a:srgbClr val="000000"/>
+              </a:buClr>
+              <a:buSzPts val="1400"/>
+              <a:buFont typeface="Arial" panose="020B0604020202020204"/>
+              <a:buNone/>
+            </a:pPr>
+            <a:endParaRPr sz="1865" b="0" i="0" u="none" strike="noStrike" cap="none">
+              <a:solidFill>
+                <a:srgbClr val="000000"/>
+              </a:solidFill>
+              <a:latin typeface="Arial" panose="020B0604020202020204"/>
+              <a:ea typeface="Arial" panose="020B0604020202020204"/>
+              <a:cs typeface="Arial" panose="020B0604020202020204"/>
+              <a:sym typeface="Arial" panose="020B0604020202020204"/>
+            </a:endParaRPr>
+          </a:p>
+        </p:txBody>
+      </p:sp>
+      <p:sp>
+        <p:nvSpPr>
+          <p:cNvPr id="64" name="Google Shape;64;p9"/>
+          <p:cNvSpPr/>
+          <p:nvPr/>
+        </p:nvSpPr>
+        <p:spPr>
+          <a:xfrm rot="10800000">
+            <a:off x="10268701" y="5908267"/>
+            <a:ext cx="975200" cy="974000"/>
+          </a:xfrm>
+          <a:prstGeom prst="rtTriangle">
+            <a:avLst/>
+          </a:prstGeom>
+          <a:solidFill>
+            <a:schemeClr val="accent1"/>
+          </a:solidFill>
+          <a:ln>
+            <a:noFill/>
+          </a:ln>
+        </p:spPr>
+        <p:txBody>
+          <a:bodyPr spcFirstLastPara="1" wrap="square" lIns="121900" tIns="121900" rIns="121900" bIns="121900" anchor="ctr" anchorCtr="0">
+            <a:noAutofit/>
+          </a:bodyPr>
+          <a:lstStyle/>
+          <a:p>
+            <a:pPr marL="0" marR="0" lvl="0" indent="0" algn="l" rtl="0">
+              <a:lnSpc>
+                <a:spcPct val="100000"/>
+              </a:lnSpc>
+              <a:spcBef>
+                <a:spcPts val="0"/>
+              </a:spcBef>
+              <a:spcAft>
+                <a:spcPts val="0"/>
+              </a:spcAft>
+              <a:buClr>
+                <a:srgbClr val="000000"/>
+              </a:buClr>
+              <a:buSzPts val="1400"/>
+              <a:buFont typeface="Arial" panose="020B0604020202020204"/>
+              <a:buNone/>
+            </a:pPr>
+            <a:endParaRPr sz="1865" b="0" i="0" u="none" strike="noStrike" cap="none">
+              <a:solidFill>
+                <a:srgbClr val="000000"/>
+              </a:solidFill>
+              <a:latin typeface="Arial" panose="020B0604020202020204"/>
+              <a:ea typeface="Arial" panose="020B0604020202020204"/>
+              <a:cs typeface="Arial" panose="020B0604020202020204"/>
+              <a:sym typeface="Arial" panose="020B0604020202020204"/>
+            </a:endParaRPr>
+          </a:p>
+        </p:txBody>
+      </p:sp>
+      <p:sp>
+        <p:nvSpPr>
+          <p:cNvPr id="65" name="Google Shape;65;p9"/>
+          <p:cNvSpPr txBox="1"/>
+          <p:nvPr>
+            <p:ph type="title"/>
+          </p:nvPr>
+        </p:nvSpPr>
+        <p:spPr>
+          <a:xfrm>
+            <a:off x="415600" y="546667"/>
+            <a:ext cx="11360800" cy="810400"/>
+          </a:xfrm>
+          <a:prstGeom prst="rect">
+            <a:avLst/>
+          </a:prstGeom>
+          <a:noFill/>
+          <a:ln>
+            <a:noFill/>
+          </a:ln>
+        </p:spPr>
+        <p:txBody>
+          <a:bodyPr spcFirstLastPara="1" wrap="square" lIns="91425" tIns="91425" rIns="91425" bIns="91425" anchor="t" anchorCtr="0">
+            <a:normAutofit/>
+          </a:bodyPr>
+          <a:lstStyle>
+            <a:lvl1pPr lvl="0" algn="l" rtl="0">
+              <a:lnSpc>
+                <a:spcPct val="100000"/>
+              </a:lnSpc>
+              <a:spcBef>
+                <a:spcPts val="0"/>
+              </a:spcBef>
+              <a:spcAft>
+                <a:spcPts val="0"/>
+              </a:spcAft>
+              <a:buSzPts val="3000"/>
+              <a:buNone/>
+              <a:defRPr/>
+            </a:lvl1pPr>
+            <a:lvl2pPr lvl="1" algn="l" rtl="0">
+              <a:lnSpc>
+                <a:spcPct val="100000"/>
+              </a:lnSpc>
+              <a:spcBef>
+                <a:spcPts val="0"/>
+              </a:spcBef>
+              <a:spcAft>
+                <a:spcPts val="0"/>
+              </a:spcAft>
+              <a:buSzPts val="3000"/>
+              <a:buNone/>
+              <a:defRPr/>
+            </a:lvl2pPr>
+            <a:lvl3pPr lvl="2" algn="l" rtl="0">
+              <a:lnSpc>
+                <a:spcPct val="100000"/>
+              </a:lnSpc>
+              <a:spcBef>
+                <a:spcPts val="0"/>
+              </a:spcBef>
+              <a:spcAft>
+                <a:spcPts val="0"/>
+              </a:spcAft>
+              <a:buSzPts val="3000"/>
+              <a:buNone/>
+              <a:defRPr/>
+            </a:lvl3pPr>
+            <a:lvl4pPr lvl="3" algn="l" rtl="0">
+              <a:lnSpc>
+                <a:spcPct val="100000"/>
+              </a:lnSpc>
+              <a:spcBef>
+                <a:spcPts val="0"/>
+              </a:spcBef>
+              <a:spcAft>
+                <a:spcPts val="0"/>
+              </a:spcAft>
+              <a:buSzPts val="3000"/>
+              <a:buNone/>
+              <a:defRPr/>
+            </a:lvl4pPr>
+            <a:lvl5pPr lvl="4" algn="l" rtl="0">
+              <a:lnSpc>
+                <a:spcPct val="100000"/>
+              </a:lnSpc>
+              <a:spcBef>
+                <a:spcPts val="0"/>
+              </a:spcBef>
+              <a:spcAft>
+                <a:spcPts val="0"/>
+              </a:spcAft>
+              <a:buSzPts val="3000"/>
+              <a:buNone/>
+              <a:defRPr/>
+            </a:lvl5pPr>
+            <a:lvl6pPr lvl="5" algn="l" rtl="0">
+              <a:lnSpc>
+                <a:spcPct val="100000"/>
+              </a:lnSpc>
+              <a:spcBef>
+                <a:spcPts val="0"/>
+              </a:spcBef>
+              <a:spcAft>
+                <a:spcPts val="0"/>
+              </a:spcAft>
+              <a:buSzPts val="3000"/>
+              <a:buNone/>
+              <a:defRPr/>
+            </a:lvl6pPr>
+            <a:lvl7pPr lvl="6" algn="l" rtl="0">
+              <a:lnSpc>
+                <a:spcPct val="100000"/>
+              </a:lnSpc>
+              <a:spcBef>
+                <a:spcPts val="0"/>
+              </a:spcBef>
+              <a:spcAft>
+                <a:spcPts val="0"/>
+              </a:spcAft>
+              <a:buSzPts val="3000"/>
+              <a:buNone/>
+              <a:defRPr/>
+            </a:lvl7pPr>
+            <a:lvl8pPr lvl="7" algn="l" rtl="0">
+              <a:lnSpc>
+                <a:spcPct val="100000"/>
+              </a:lnSpc>
+              <a:spcBef>
+                <a:spcPts val="0"/>
+              </a:spcBef>
+              <a:spcAft>
+                <a:spcPts val="0"/>
+              </a:spcAft>
+              <a:buSzPts val="3000"/>
+              <a:buNone/>
+              <a:defRPr/>
+            </a:lvl8pPr>
+            <a:lvl9pPr lvl="8" algn="l" rtl="0">
+              <a:lnSpc>
+                <a:spcPct val="100000"/>
+              </a:lnSpc>
+              <a:spcBef>
+                <a:spcPts val="0"/>
+              </a:spcBef>
+              <a:spcAft>
+                <a:spcPts val="0"/>
+              </a:spcAft>
+              <a:buSzPts val="3000"/>
+              <a:buNone/>
+              <a:defRPr/>
+            </a:lvl9pPr>
+          </a:lstStyle>
+          <a:p/>
+        </p:txBody>
+      </p:sp>
+      <p:sp>
+        <p:nvSpPr>
+          <p:cNvPr id="66" name="Google Shape;66;p9"/>
+          <p:cNvSpPr txBox="1"/>
+          <p:nvPr>
+            <p:ph type="sldNum" idx="12"/>
+          </p:nvPr>
+        </p:nvSpPr>
+        <p:spPr>
+          <a:xfrm>
+            <a:off x="11280575" y="6201587"/>
+            <a:ext cx="731600" cy="524800"/>
+          </a:xfrm>
+          <a:prstGeom prst="rect">
+            <a:avLst/>
+          </a:prstGeom>
+          <a:noFill/>
+          <a:ln>
+            <a:noFill/>
+          </a:ln>
+        </p:spPr>
+        <p:txBody>
+          <a:bodyPr spcFirstLastPara="1" wrap="square" lIns="91425" tIns="91425" rIns="91425" bIns="91425" anchor="ctr" anchorCtr="0">
+            <a:normAutofit/>
+          </a:bodyPr>
+          <a:lstStyle>
+            <a:lvl1pPr marL="0" marR="0" lvl="0" indent="0" algn="r" rtl="0">
+              <a:lnSpc>
+                <a:spcPct val="100000"/>
+              </a:lnSpc>
+              <a:spcBef>
+                <a:spcPts val="0"/>
+              </a:spcBef>
+              <a:spcAft>
+                <a:spcPts val="0"/>
+              </a:spcAft>
+              <a:buClr>
+                <a:srgbClr val="000000"/>
+              </a:buClr>
+              <a:buSzPts val="1000"/>
+              <a:buFont typeface="Arial" panose="020B0604020202020204"/>
+              <a:buNone/>
+              <a:defRPr sz="1335" b="0" i="0" u="none" strike="noStrike" cap="none">
+                <a:solidFill>
+                  <a:schemeClr val="lt1"/>
+                </a:solidFill>
+                <a:latin typeface="Roboto" panose="02000000000000000000"/>
+                <a:ea typeface="Roboto" panose="02000000000000000000"/>
+                <a:cs typeface="Roboto" panose="02000000000000000000"/>
+                <a:sym typeface="Roboto" panose="02000000000000000000"/>
+              </a:defRPr>
+            </a:lvl1pPr>
+            <a:lvl2pPr marL="0" marR="0" lvl="1" indent="0" algn="r" rtl="0">
+              <a:lnSpc>
+                <a:spcPct val="100000"/>
+              </a:lnSpc>
+              <a:spcBef>
+                <a:spcPts val="0"/>
+              </a:spcBef>
+              <a:spcAft>
+                <a:spcPts val="0"/>
+              </a:spcAft>
+              <a:buClr>
+                <a:srgbClr val="000000"/>
+              </a:buClr>
+              <a:buSzPts val="1000"/>
+              <a:buFont typeface="Arial" panose="020B0604020202020204"/>
+              <a:buNone/>
+              <a:defRPr sz="1335" b="0" i="0" u="none" strike="noStrike" cap="none">
+                <a:solidFill>
+                  <a:schemeClr val="lt1"/>
+                </a:solidFill>
+                <a:latin typeface="Roboto" panose="02000000000000000000"/>
+                <a:ea typeface="Roboto" panose="02000000000000000000"/>
+                <a:cs typeface="Roboto" panose="02000000000000000000"/>
+                <a:sym typeface="Roboto" panose="02000000000000000000"/>
+              </a:defRPr>
+            </a:lvl2pPr>
+            <a:lvl3pPr marL="0" marR="0" lvl="2" indent="0" algn="r" rtl="0">
+              <a:lnSpc>
+                <a:spcPct val="100000"/>
+              </a:lnSpc>
+              <a:spcBef>
+                <a:spcPts val="0"/>
+              </a:spcBef>
+              <a:spcAft>
+                <a:spcPts val="0"/>
+              </a:spcAft>
+              <a:buClr>
+                <a:srgbClr val="000000"/>
+              </a:buClr>
+              <a:buSzPts val="1000"/>
+              <a:buFont typeface="Arial" panose="020B0604020202020204"/>
+              <a:buNone/>
+              <a:defRPr sz="1335" b="0" i="0" u="none" strike="noStrike" cap="none">
+                <a:solidFill>
+                  <a:schemeClr val="lt1"/>
+                </a:solidFill>
+                <a:latin typeface="Roboto" panose="02000000000000000000"/>
+                <a:ea typeface="Roboto" panose="02000000000000000000"/>
+                <a:cs typeface="Roboto" panose="02000000000000000000"/>
+                <a:sym typeface="Roboto" panose="02000000000000000000"/>
+              </a:defRPr>
+            </a:lvl3pPr>
+            <a:lvl4pPr marL="0" marR="0" lvl="3" indent="0" algn="r" rtl="0">
+              <a:lnSpc>
+                <a:spcPct val="100000"/>
+              </a:lnSpc>
+              <a:spcBef>
+                <a:spcPts val="0"/>
+              </a:spcBef>
+              <a:spcAft>
+                <a:spcPts val="0"/>
+              </a:spcAft>
+              <a:buClr>
+                <a:srgbClr val="000000"/>
+              </a:buClr>
+              <a:buSzPts val="1000"/>
+              <a:buFont typeface="Arial" panose="020B0604020202020204"/>
+              <a:buNone/>
+              <a:defRPr sz="1335" b="0" i="0" u="none" strike="noStrike" cap="none">
+                <a:solidFill>
+                  <a:schemeClr val="lt1"/>
+                </a:solidFill>
+                <a:latin typeface="Roboto" panose="02000000000000000000"/>
+                <a:ea typeface="Roboto" panose="02000000000000000000"/>
+                <a:cs typeface="Roboto" panose="02000000000000000000"/>
+                <a:sym typeface="Roboto" panose="02000000000000000000"/>
+              </a:defRPr>
+            </a:lvl4pPr>
+            <a:lvl5pPr marL="0" marR="0" lvl="4" indent="0" algn="r" rtl="0">
+              <a:lnSpc>
+                <a:spcPct val="100000"/>
+              </a:lnSpc>
+              <a:spcBef>
+                <a:spcPts val="0"/>
+              </a:spcBef>
+              <a:spcAft>
+                <a:spcPts val="0"/>
+              </a:spcAft>
+              <a:buClr>
+                <a:srgbClr val="000000"/>
+              </a:buClr>
+              <a:buSzPts val="1000"/>
+              <a:buFont typeface="Arial" panose="020B0604020202020204"/>
+              <a:buNone/>
+              <a:defRPr sz="1335" b="0" i="0" u="none" strike="noStrike" cap="none">
+                <a:solidFill>
+                  <a:schemeClr val="lt1"/>
+                </a:solidFill>
+                <a:latin typeface="Roboto" panose="02000000000000000000"/>
+                <a:ea typeface="Roboto" panose="02000000000000000000"/>
+                <a:cs typeface="Roboto" panose="02000000000000000000"/>
+                <a:sym typeface="Roboto" panose="02000000000000000000"/>
+              </a:defRPr>
+            </a:lvl5pPr>
+            <a:lvl6pPr marL="0" marR="0" lvl="5" indent="0" algn="r" rtl="0">
+              <a:lnSpc>
+                <a:spcPct val="100000"/>
+              </a:lnSpc>
+              <a:spcBef>
+                <a:spcPts val="0"/>
+              </a:spcBef>
+              <a:spcAft>
+                <a:spcPts val="0"/>
+              </a:spcAft>
+              <a:buClr>
+                <a:srgbClr val="000000"/>
+              </a:buClr>
+              <a:buSzPts val="1000"/>
+              <a:buFont typeface="Arial" panose="020B0604020202020204"/>
+              <a:buNone/>
+              <a:defRPr sz="1335" b="0" i="0" u="none" strike="noStrike" cap="none">
+                <a:solidFill>
+                  <a:schemeClr val="lt1"/>
+                </a:solidFill>
+                <a:latin typeface="Roboto" panose="02000000000000000000"/>
+                <a:ea typeface="Roboto" panose="02000000000000000000"/>
+                <a:cs typeface="Roboto" panose="02000000000000000000"/>
+                <a:sym typeface="Roboto" panose="02000000000000000000"/>
+              </a:defRPr>
+            </a:lvl6pPr>
+            <a:lvl7pPr marL="0" marR="0" lvl="6" indent="0" algn="r" rtl="0">
+              <a:lnSpc>
+                <a:spcPct val="100000"/>
+              </a:lnSpc>
+              <a:spcBef>
+                <a:spcPts val="0"/>
+              </a:spcBef>
+              <a:spcAft>
+                <a:spcPts val="0"/>
+              </a:spcAft>
+              <a:buClr>
+                <a:srgbClr val="000000"/>
+              </a:buClr>
+              <a:buSzPts val="1000"/>
+              <a:buFont typeface="Arial" panose="020B0604020202020204"/>
+              <a:buNone/>
+              <a:defRPr sz="1335" b="0" i="0" u="none" strike="noStrike" cap="none">
+                <a:solidFill>
+                  <a:schemeClr val="lt1"/>
+                </a:solidFill>
+                <a:latin typeface="Roboto" panose="02000000000000000000"/>
+                <a:ea typeface="Roboto" panose="02000000000000000000"/>
+                <a:cs typeface="Roboto" panose="02000000000000000000"/>
+                <a:sym typeface="Roboto" panose="02000000000000000000"/>
+              </a:defRPr>
+            </a:lvl7pPr>
+            <a:lvl8pPr marL="0" marR="0" lvl="7" indent="0" algn="r" rtl="0">
+              <a:lnSpc>
+                <a:spcPct val="100000"/>
+              </a:lnSpc>
+              <a:spcBef>
+                <a:spcPts val="0"/>
+              </a:spcBef>
+              <a:spcAft>
+                <a:spcPts val="0"/>
+              </a:spcAft>
+              <a:buClr>
+                <a:srgbClr val="000000"/>
+              </a:buClr>
+              <a:buSzPts val="1000"/>
+              <a:buFont typeface="Arial" panose="020B0604020202020204"/>
+              <a:buNone/>
+              <a:defRPr sz="1335" b="0" i="0" u="none" strike="noStrike" cap="none">
+                <a:solidFill>
+                  <a:schemeClr val="lt1"/>
+                </a:solidFill>
+                <a:latin typeface="Roboto" panose="02000000000000000000"/>
+                <a:ea typeface="Roboto" panose="02000000000000000000"/>
+                <a:cs typeface="Roboto" panose="02000000000000000000"/>
+                <a:sym typeface="Roboto" panose="02000000000000000000"/>
+              </a:defRPr>
+            </a:lvl8pPr>
+            <a:lvl9pPr marL="0" marR="0" lvl="8" indent="0" algn="r" rtl="0">
+              <a:lnSpc>
+                <a:spcPct val="100000"/>
+              </a:lnSpc>
+              <a:spcBef>
+                <a:spcPts val="0"/>
+              </a:spcBef>
+              <a:spcAft>
+                <a:spcPts val="0"/>
+              </a:spcAft>
+              <a:buClr>
+                <a:srgbClr val="000000"/>
+              </a:buClr>
+              <a:buSzPts val="1000"/>
+              <a:buFont typeface="Arial" panose="020B0604020202020204"/>
+              <a:buNone/>
+              <a:defRPr sz="1335" b="0" i="0" u="none" strike="noStrike" cap="none">
+                <a:solidFill>
+                  <a:schemeClr val="lt1"/>
+                </a:solidFill>
+                <a:latin typeface="Roboto" panose="02000000000000000000"/>
+                <a:ea typeface="Roboto" panose="02000000000000000000"/>
+                <a:cs typeface="Roboto" panose="02000000000000000000"/>
+                <a:sym typeface="Roboto" panose="02000000000000000000"/>
+              </a:defRPr>
+            </a:lvl9pPr>
+          </a:lstStyle>
+          <a:p>
+            <a:pPr marL="0" lvl="0" indent="0" algn="r" rtl="0">
+              <a:spcBef>
+                <a:spcPts val="0"/>
+              </a:spcBef>
+              <a:spcAft>
+                <a:spcPts val="0"/>
+              </a:spcAft>
+              <a:buNone/>
+            </a:pPr>
+            <a:fld id="{00000000-1234-1234-1234-123412341234}" type="slidenum">
+              <a:rPr lang="en-GB"/>
+            </a:fld>
+            <a:endParaRPr lang="en-GB"/>
+          </a:p>
+        </p:txBody>
+      </p:sp>
+      <p:sp>
+        <p:nvSpPr>
+          <p:cNvPr id="67" name="Google Shape;67;p9"/>
+          <p:cNvSpPr/>
+          <p:nvPr/>
+        </p:nvSpPr>
+        <p:spPr>
+          <a:xfrm>
+            <a:off x="11224800" y="0"/>
+            <a:ext cx="967200" cy="967200"/>
+          </a:xfrm>
+          <a:prstGeom prst="rect">
+            <a:avLst/>
+          </a:prstGeom>
+          <a:solidFill>
+            <a:schemeClr val="accent4"/>
+          </a:solidFill>
+          <a:ln>
+            <a:noFill/>
+          </a:ln>
+        </p:spPr>
+        <p:txBody>
+          <a:bodyPr spcFirstLastPara="1" wrap="square" lIns="121900" tIns="121900" rIns="121900" bIns="121900" anchor="ctr" anchorCtr="0">
+            <a:noAutofit/>
+          </a:bodyPr>
+          <a:lstStyle/>
+          <a:p>
+            <a:pPr marL="0" marR="0" lvl="0" indent="0" algn="l" rtl="0">
+              <a:lnSpc>
+                <a:spcPct val="100000"/>
+              </a:lnSpc>
+              <a:spcBef>
+                <a:spcPts val="0"/>
+              </a:spcBef>
+              <a:spcAft>
+                <a:spcPts val="0"/>
+              </a:spcAft>
+              <a:buClr>
+                <a:srgbClr val="000000"/>
+              </a:buClr>
+              <a:buSzPts val="1400"/>
+              <a:buFont typeface="Arial" panose="020B0604020202020204"/>
+              <a:buNone/>
+            </a:pPr>
+            <a:endParaRPr sz="1865" b="0" i="0" u="none" strike="noStrike" cap="none">
+              <a:solidFill>
+                <a:srgbClr val="000000"/>
+              </a:solidFill>
+              <a:latin typeface="Arial" panose="020B0604020202020204"/>
+              <a:ea typeface="Arial" panose="020B0604020202020204"/>
+              <a:cs typeface="Arial" panose="020B0604020202020204"/>
+              <a:sym typeface="Arial" panose="020B0604020202020204"/>
+            </a:endParaRPr>
+          </a:p>
+        </p:txBody>
+      </p:sp>
+      <p:sp>
+        <p:nvSpPr>
+          <p:cNvPr id="68" name="Google Shape;68;p9"/>
+          <p:cNvSpPr txBox="1"/>
+          <p:nvPr>
+            <p:ph type="body" idx="1"/>
+          </p:nvPr>
+        </p:nvSpPr>
+        <p:spPr>
+          <a:xfrm>
+            <a:off x="373800" y="1688600"/>
+            <a:ext cx="11360800" cy="4452000"/>
+          </a:xfrm>
+          <a:prstGeom prst="rect">
+            <a:avLst/>
+          </a:prstGeom>
+          <a:noFill/>
+          <a:ln>
+            <a:noFill/>
+          </a:ln>
+        </p:spPr>
+        <p:txBody>
+          <a:bodyPr spcFirstLastPara="1" wrap="square" lIns="91425" tIns="91425" rIns="91425" bIns="91425" anchor="t" anchorCtr="0">
+            <a:normAutofit/>
+          </a:bodyPr>
+          <a:lstStyle>
+            <a:lvl1pPr marL="609600" lvl="0" indent="-457200" algn="l" rtl="0">
+              <a:lnSpc>
+                <a:spcPct val="115000"/>
+              </a:lnSpc>
+              <a:spcBef>
+                <a:spcPts val="0"/>
+              </a:spcBef>
+              <a:spcAft>
+                <a:spcPts val="0"/>
+              </a:spcAft>
+              <a:buSzPts val="1800"/>
+              <a:buChar char="●"/>
+              <a:defRPr/>
+            </a:lvl1pPr>
+            <a:lvl2pPr marL="1219200" lvl="1" indent="-423545" algn="l" rtl="0">
+              <a:lnSpc>
+                <a:spcPct val="115000"/>
+              </a:lnSpc>
+              <a:spcBef>
+                <a:spcPts val="0"/>
+              </a:spcBef>
+              <a:spcAft>
+                <a:spcPts val="0"/>
+              </a:spcAft>
+              <a:buSzPts val="1400"/>
+              <a:buChar char="○"/>
+              <a:defRPr/>
+            </a:lvl2pPr>
+            <a:lvl3pPr marL="1828800" lvl="2" indent="-423545" algn="l" rtl="0">
+              <a:lnSpc>
+                <a:spcPct val="115000"/>
+              </a:lnSpc>
+              <a:spcBef>
+                <a:spcPts val="0"/>
+              </a:spcBef>
+              <a:spcAft>
+                <a:spcPts val="0"/>
+              </a:spcAft>
+              <a:buSzPts val="1400"/>
+              <a:buChar char="■"/>
+              <a:defRPr/>
+            </a:lvl3pPr>
+            <a:lvl4pPr marL="2438400" lvl="3" indent="-423545" algn="l" rtl="0">
+              <a:lnSpc>
+                <a:spcPct val="115000"/>
+              </a:lnSpc>
+              <a:spcBef>
+                <a:spcPts val="0"/>
+              </a:spcBef>
+              <a:spcAft>
+                <a:spcPts val="0"/>
+              </a:spcAft>
+              <a:buSzPts val="1400"/>
+              <a:buChar char="●"/>
+              <a:defRPr/>
+            </a:lvl4pPr>
+            <a:lvl5pPr marL="3048000" lvl="4" indent="-423545" algn="l" rtl="0">
+              <a:lnSpc>
+                <a:spcPct val="115000"/>
+              </a:lnSpc>
+              <a:spcBef>
+                <a:spcPts val="0"/>
+              </a:spcBef>
+              <a:spcAft>
+                <a:spcPts val="0"/>
+              </a:spcAft>
+              <a:buSzPts val="1400"/>
+              <a:buChar char="○"/>
+              <a:defRPr/>
+            </a:lvl5pPr>
+            <a:lvl6pPr marL="3657600" lvl="5" indent="-423545" algn="l" rtl="0">
+              <a:lnSpc>
+                <a:spcPct val="115000"/>
+              </a:lnSpc>
+              <a:spcBef>
+                <a:spcPts val="0"/>
+              </a:spcBef>
+              <a:spcAft>
+                <a:spcPts val="0"/>
+              </a:spcAft>
+              <a:buSzPts val="1400"/>
+              <a:buChar char="■"/>
+              <a:defRPr/>
+            </a:lvl6pPr>
+            <a:lvl7pPr marL="4267200" lvl="6" indent="-423545" algn="l" rtl="0">
+              <a:lnSpc>
+                <a:spcPct val="115000"/>
+              </a:lnSpc>
+              <a:spcBef>
+                <a:spcPts val="0"/>
+              </a:spcBef>
+              <a:spcAft>
+                <a:spcPts val="0"/>
+              </a:spcAft>
+              <a:buSzPts val="1400"/>
+              <a:buChar char="●"/>
+              <a:defRPr/>
+            </a:lvl7pPr>
+            <a:lvl8pPr marL="4876800" lvl="7" indent="-423545" algn="l" rtl="0">
+              <a:lnSpc>
+                <a:spcPct val="115000"/>
+              </a:lnSpc>
+              <a:spcBef>
+                <a:spcPts val="0"/>
+              </a:spcBef>
+              <a:spcAft>
+                <a:spcPts val="0"/>
+              </a:spcAft>
+              <a:buSzPts val="1400"/>
+              <a:buChar char="○"/>
+              <a:defRPr/>
+            </a:lvl8pPr>
+            <a:lvl9pPr marL="5486400" lvl="8" indent="-423545" algn="l" rtl="0">
+              <a:lnSpc>
+                <a:spcPct val="115000"/>
+              </a:lnSpc>
+              <a:spcBef>
+                <a:spcPts val="0"/>
+              </a:spcBef>
+              <a:spcAft>
+                <a:spcPts val="0"/>
+              </a:spcAft>
+              <a:buSzPts val="1400"/>
+              <a:buChar char="■"/>
+              <a:defRPr/>
+            </a:lvl9pPr>
+          </a:lstStyle>
+          <a:p/>
+        </p:txBody>
+      </p:sp>
+      <p:pic>
+        <p:nvPicPr>
+          <p:cNvPr id="69" name="Google Shape;69;p9"/>
+          <p:cNvPicPr preferRelativeResize="0"/>
+          <p:nvPr/>
+        </p:nvPicPr>
+        <p:blipFill>
+          <a:blip r:embed="rId2"/>
+          <a:stretch>
+            <a:fillRect/>
+          </a:stretch>
+        </p:blipFill>
+        <p:spPr>
+          <a:xfrm>
+            <a:off x="253775" y="6152437"/>
+            <a:ext cx="3433687" cy="524800"/>
+          </a:xfrm>
+          <a:prstGeom prst="rect">
+            <a:avLst/>
+          </a:prstGeom>
+          <a:noFill/>
+          <a:ln>
+            <a:noFill/>
+          </a:ln>
+        </p:spPr>
+      </p:pic>
+    </p:spTree>
+  </p:cSld>
+  <p:clrMapOvr>
+    <a:masterClrMapping/>
+  </p:clrMapOvr>
+  <mc:AlternateContent xmlns:mc="http://schemas.openxmlformats.org/markup-compatibility/2006">
+    <mc:Choice xmlns:p14="http://schemas.microsoft.com/office/powerpoint/2010/main" Requires="p14">
+      <p:transition spd="slow" p14:dur="700">
+        <p:fade/>
+      </p:transition>
+    </mc:Choice>
+    <mc:Fallback>
+      <p:transition spd="slow">
+        <p:fade/>
+      </p:transition>
+    </mc:Fallback>
+  </mc:AlternateContent>
 </p:sldLayout>
 </file>
 
@@ -3238,6 +4159,7 @@
     <p:sldLayoutId id="2147483658" r:id="rId10"/>
     <p:sldLayoutId id="2147483659" r:id="rId11"/>
     <p:sldLayoutId id="2147483660" r:id="rId12"/>
+    <p:sldLayoutId id="2147483661" r:id="rId13"/>
   </p:sldLayoutIdLst>
   <p:txStyles>
     <p:titleStyle>
@@ -3523,6 +4445,471 @@
 </file>
 
 <file path=ppt/slides/slide1.xml><?xml version="1.0" encoding="utf-8"?>
+<p:sld xmlns:a="http://schemas.openxmlformats.org/drawingml/2006/main" xmlns:r="http://schemas.openxmlformats.org/officeDocument/2006/relationships" xmlns:p="http://schemas.openxmlformats.org/presentationml/2006/main">
+  <p:cSld>
+    <p:spTree>
+      <p:nvGrpSpPr>
+        <p:cNvPr id="295" name="Shape 295"/>
+        <p:cNvGrpSpPr/>
+        <p:nvPr/>
+      </p:nvGrpSpPr>
+      <p:grpSpPr>
+        <a:xfrm>
+          <a:off x="0" y="0"/>
+          <a:ext cx="0" cy="0"/>
+          <a:chOff x="0" y="0"/>
+          <a:chExt cx="0" cy="0"/>
+        </a:xfrm>
+      </p:grpSpPr>
+      <p:sp>
+        <p:nvSpPr>
+          <p:cNvPr id="297" name="Google Shape;297;p49"/>
+          <p:cNvSpPr txBox="1"/>
+          <p:nvPr>
+            <p:ph type="title"/>
+          </p:nvPr>
+        </p:nvSpPr>
+        <p:spPr>
+          <a:xfrm>
+            <a:off x="556433" y="4582033"/>
+            <a:ext cx="3820000" cy="1528000"/>
+          </a:xfrm>
+          <a:prstGeom prst="rect">
+            <a:avLst/>
+          </a:prstGeom>
+        </p:spPr>
+        <p:txBody>
+          <a:bodyPr spcFirstLastPara="1" wrap="square" lIns="121900" tIns="121900" rIns="121900" bIns="121900" anchor="t" anchorCtr="0">
+            <a:normAutofit fontScale="90000"/>
+          </a:bodyPr>
+          <a:lstStyle/>
+          <a:p>
+            <a:pPr marL="0" lvl="0" indent="0" algn="l" rtl="0">
+              <a:lnSpc>
+                <a:spcPct val="140000"/>
+              </a:lnSpc>
+              <a:spcBef>
+                <a:spcPts val="0"/>
+              </a:spcBef>
+              <a:spcAft>
+                <a:spcPts val="0"/>
+              </a:spcAft>
+              <a:buNone/>
+            </a:pPr>
+            <a:r>
+              <a:rPr lang="en-GB" sz="1745" b="1">
+                <a:latin typeface="Roboto Slab"/>
+                <a:ea typeface="Roboto Slab"/>
+                <a:cs typeface="Roboto Slab"/>
+                <a:sym typeface="Roboto Slab"/>
+              </a:rPr>
+              <a:t>Architecture</a:t>
+            </a:r>
+            <a:endParaRPr sz="1745" b="1">
+              <a:latin typeface="Roboto Slab"/>
+              <a:ea typeface="Roboto Slab"/>
+              <a:cs typeface="Roboto Slab"/>
+              <a:sym typeface="Roboto Slab"/>
+            </a:endParaRPr>
+          </a:p>
+          <a:p>
+            <a:pPr marL="0" lvl="0" indent="0" algn="l" rtl="0">
+              <a:lnSpc>
+                <a:spcPct val="140000"/>
+              </a:lnSpc>
+              <a:spcBef>
+                <a:spcPts val="0"/>
+              </a:spcBef>
+              <a:spcAft>
+                <a:spcPts val="0"/>
+              </a:spcAft>
+              <a:buNone/>
+            </a:pPr>
+            <a:r>
+              <a:rPr lang="en-GB" sz="1745"/>
+              <a:t>1) Multi level Cascaded PCS</a:t>
+            </a:r>
+            <a:endParaRPr sz="1745"/>
+          </a:p>
+          <a:p>
+            <a:pPr marL="0" lvl="0" indent="0" algn="l" rtl="0">
+              <a:lnSpc>
+                <a:spcPct val="140000"/>
+              </a:lnSpc>
+              <a:spcBef>
+                <a:spcPts val="0"/>
+              </a:spcBef>
+              <a:spcAft>
+                <a:spcPts val="0"/>
+              </a:spcAft>
+              <a:buSzPct val="76000"/>
+              <a:buNone/>
+            </a:pPr>
+            <a:r>
+              <a:rPr lang="en-GB" sz="1745"/>
+              <a:t>2) Use MOSFET instead of IGBT</a:t>
+            </a:r>
+            <a:endParaRPr sz="1745"/>
+          </a:p>
+          <a:p>
+            <a:pPr marL="0" lvl="0" indent="0" algn="l" rtl="0">
+              <a:lnSpc>
+                <a:spcPct val="140000"/>
+              </a:lnSpc>
+              <a:spcBef>
+                <a:spcPts val="0"/>
+              </a:spcBef>
+              <a:spcAft>
+                <a:spcPts val="0"/>
+              </a:spcAft>
+              <a:buSzPct val="76000"/>
+              <a:buNone/>
+            </a:pPr>
+            <a:r>
+              <a:rPr lang="en-GB" sz="1745"/>
+              <a:t>3) Combine PCS with BMS</a:t>
+            </a:r>
+            <a:endParaRPr sz="1745"/>
+          </a:p>
+        </p:txBody>
+      </p:sp>
+      <p:sp>
+        <p:nvSpPr>
+          <p:cNvPr id="299" name="Google Shape;299;p49"/>
+          <p:cNvSpPr txBox="1"/>
+          <p:nvPr>
+            <p:ph type="title"/>
+          </p:nvPr>
+        </p:nvSpPr>
+        <p:spPr>
+          <a:xfrm>
+            <a:off x="5142817" y="4582033"/>
+            <a:ext cx="3743200" cy="1760800"/>
+          </a:xfrm>
+          <a:prstGeom prst="rect">
+            <a:avLst/>
+          </a:prstGeom>
+        </p:spPr>
+        <p:txBody>
+          <a:bodyPr spcFirstLastPara="1" wrap="square" lIns="121900" tIns="121900" rIns="121900" bIns="121900" anchor="t" anchorCtr="0">
+            <a:normAutofit fontScale="90000"/>
+          </a:bodyPr>
+          <a:lstStyle/>
+          <a:p>
+            <a:pPr marL="0" lvl="0" indent="0" algn="l" rtl="0">
+              <a:lnSpc>
+                <a:spcPct val="140000"/>
+              </a:lnSpc>
+              <a:spcBef>
+                <a:spcPts val="0"/>
+              </a:spcBef>
+              <a:spcAft>
+                <a:spcPts val="0"/>
+              </a:spcAft>
+              <a:buNone/>
+            </a:pPr>
+            <a:r>
+              <a:rPr lang="en-GB" sz="1745" b="1">
+                <a:latin typeface="Roboto Slab"/>
+                <a:ea typeface="Roboto Slab"/>
+                <a:cs typeface="Roboto Slab"/>
+                <a:sym typeface="Roboto Slab"/>
+              </a:rPr>
+              <a:t>Advantages</a:t>
+            </a:r>
+            <a:endParaRPr sz="1745" b="1">
+              <a:latin typeface="Roboto Slab"/>
+              <a:ea typeface="Roboto Slab"/>
+              <a:cs typeface="Roboto Slab"/>
+              <a:sym typeface="Roboto Slab"/>
+            </a:endParaRPr>
+          </a:p>
+          <a:p>
+            <a:pPr marL="0" lvl="0" indent="0" algn="l" rtl="0">
+              <a:lnSpc>
+                <a:spcPct val="140000"/>
+              </a:lnSpc>
+              <a:spcBef>
+                <a:spcPts val="0"/>
+              </a:spcBef>
+              <a:spcAft>
+                <a:spcPts val="0"/>
+              </a:spcAft>
+              <a:buNone/>
+            </a:pPr>
+            <a:r>
+              <a:rPr lang="en-GB" sz="1745"/>
+              <a:t>1) Native Equalization, Safer.</a:t>
+            </a:r>
+            <a:endParaRPr sz="1745"/>
+          </a:p>
+          <a:p>
+            <a:pPr marL="0" lvl="0" indent="0" algn="l" rtl="0">
+              <a:lnSpc>
+                <a:spcPct val="140000"/>
+              </a:lnSpc>
+              <a:spcBef>
+                <a:spcPts val="0"/>
+              </a:spcBef>
+              <a:spcAft>
+                <a:spcPts val="0"/>
+              </a:spcAft>
+              <a:buNone/>
+            </a:pPr>
+            <a:r>
+              <a:rPr lang="en-GB" sz="1745"/>
+              <a:t>2) Lower Cost, Longer Life Cycle.</a:t>
+            </a:r>
+            <a:endParaRPr sz="1745"/>
+          </a:p>
+          <a:p>
+            <a:pPr marL="0" lvl="0" indent="0" algn="l" rtl="0">
+              <a:lnSpc>
+                <a:spcPct val="140000"/>
+              </a:lnSpc>
+              <a:spcBef>
+                <a:spcPts val="0"/>
+              </a:spcBef>
+              <a:spcAft>
+                <a:spcPts val="0"/>
+              </a:spcAft>
+              <a:buNone/>
+            </a:pPr>
+            <a:r>
+              <a:rPr lang="en-GB" sz="1745"/>
+              <a:t>3) Higher Efficiency</a:t>
+            </a:r>
+            <a:endParaRPr sz="1745"/>
+          </a:p>
+          <a:p>
+            <a:pPr marL="0" lvl="0" indent="0" algn="l" rtl="0">
+              <a:lnSpc>
+                <a:spcPct val="140000"/>
+              </a:lnSpc>
+              <a:spcBef>
+                <a:spcPts val="0"/>
+              </a:spcBef>
+              <a:spcAft>
+                <a:spcPts val="0"/>
+              </a:spcAft>
+              <a:buNone/>
+            </a:pPr>
+            <a:r>
+              <a:rPr lang="en-GB" sz="1745"/>
+              <a:t>4) Scale, Higher Power and Capacity</a:t>
+            </a:r>
+            <a:endParaRPr sz="1745"/>
+          </a:p>
+        </p:txBody>
+      </p:sp>
+      <p:pic>
+        <p:nvPicPr>
+          <p:cNvPr id="300" name="Google Shape;300;p49"/>
+          <p:cNvPicPr preferRelativeResize="0"/>
+          <p:nvPr/>
+        </p:nvPicPr>
+        <p:blipFill>
+          <a:blip r:embed="rId1"/>
+          <a:stretch>
+            <a:fillRect/>
+          </a:stretch>
+        </p:blipFill>
+        <p:spPr>
+          <a:xfrm>
+            <a:off x="518267" y="1884984"/>
+            <a:ext cx="3896367" cy="2697033"/>
+          </a:xfrm>
+          <a:prstGeom prst="rect">
+            <a:avLst/>
+          </a:prstGeom>
+          <a:noFill/>
+          <a:ln>
+            <a:noFill/>
+          </a:ln>
+        </p:spPr>
+      </p:pic>
+      <p:pic>
+        <p:nvPicPr>
+          <p:cNvPr id="302" name="Google Shape;302;p49"/>
+          <p:cNvPicPr preferRelativeResize="0"/>
+          <p:nvPr/>
+        </p:nvPicPr>
+        <p:blipFill>
+          <a:blip r:embed="rId2"/>
+          <a:stretch>
+            <a:fillRect/>
+          </a:stretch>
+        </p:blipFill>
+        <p:spPr>
+          <a:xfrm>
+            <a:off x="5002151" y="2005633"/>
+            <a:ext cx="3896365" cy="2339033"/>
+          </a:xfrm>
+          <a:prstGeom prst="rect">
+            <a:avLst/>
+          </a:prstGeom>
+          <a:noFill/>
+          <a:ln>
+            <a:noFill/>
+          </a:ln>
+        </p:spPr>
+      </p:pic>
+      <p:sp>
+        <p:nvSpPr>
+          <p:cNvPr id="5" name="文本框 4"/>
+          <p:cNvSpPr txBox="1"/>
+          <p:nvPr/>
+        </p:nvSpPr>
+        <p:spPr>
+          <a:xfrm>
+            <a:off x="756920" y="1119505"/>
+            <a:ext cx="9345295" cy="368300"/>
+          </a:xfrm>
+          <a:prstGeom prst="rect">
+            <a:avLst/>
+          </a:prstGeom>
+          <a:noFill/>
+        </p:spPr>
+        <p:txBody>
+          <a:bodyPr wrap="square" rtlCol="0" anchor="t">
+            <a:spAutoFit/>
+          </a:bodyPr>
+          <a:p>
+            <a:r>
+              <a:rPr lang="zh-CN" altLang="en-US"/>
+              <a:t>Energy Router - “AC Battery” Technology Based Innovation and Standardization for Home Grid</a:t>
+            </a:r>
+            <a:endParaRPr lang="zh-CN" altLang="en-US"/>
+          </a:p>
+        </p:txBody>
+      </p:sp>
+      <p:sp>
+        <p:nvSpPr>
+          <p:cNvPr id="6" name="文本框 5"/>
+          <p:cNvSpPr txBox="1"/>
+          <p:nvPr/>
+        </p:nvSpPr>
+        <p:spPr>
+          <a:xfrm>
+            <a:off x="756920" y="535940"/>
+            <a:ext cx="3255645" cy="368300"/>
+          </a:xfrm>
+          <a:prstGeom prst="rect">
+            <a:avLst/>
+          </a:prstGeom>
+          <a:noFill/>
+        </p:spPr>
+        <p:txBody>
+          <a:bodyPr wrap="square" rtlCol="0" anchor="t">
+            <a:spAutoFit/>
+          </a:bodyPr>
+          <a:p>
+            <a:r>
+              <a:rPr lang="zh-CN" altLang="en-US"/>
+              <a:t>The ORES Implementation</a:t>
+            </a:r>
+            <a:endParaRPr lang="zh-CN" altLang="en-US"/>
+          </a:p>
+        </p:txBody>
+      </p:sp>
+      <p:sp>
+        <p:nvSpPr>
+          <p:cNvPr id="8" name="文本框 7"/>
+          <p:cNvSpPr txBox="1"/>
+          <p:nvPr/>
+        </p:nvSpPr>
+        <p:spPr>
+          <a:xfrm>
+            <a:off x="9485630" y="2136775"/>
+            <a:ext cx="2390775" cy="2584450"/>
+          </a:xfrm>
+          <a:prstGeom prst="rect">
+            <a:avLst/>
+          </a:prstGeom>
+          <a:noFill/>
+        </p:spPr>
+        <p:txBody>
+          <a:bodyPr wrap="square" rtlCol="0" anchor="t">
+            <a:spAutoFit/>
+          </a:bodyPr>
+          <a:p>
+            <a:r>
+              <a:rPr lang="zh-CN" altLang="en-US"/>
+              <a:t>Implementation &amp;</a:t>
+            </a:r>
+            <a:endParaRPr lang="zh-CN" altLang="en-US"/>
+          </a:p>
+          <a:p>
+            <a:r>
+              <a:rPr lang="zh-CN" altLang="en-US"/>
+              <a:t>Standardization</a:t>
+            </a:r>
+            <a:endParaRPr lang="zh-CN" altLang="en-US"/>
+          </a:p>
+          <a:p>
+            <a:endParaRPr lang="zh-CN" altLang="en-US"/>
+          </a:p>
+          <a:p>
+            <a:r>
+              <a:rPr lang="zh-CN" altLang="en-US"/>
+              <a:t>1)  Standalone ESS</a:t>
+            </a:r>
+            <a:endParaRPr lang="zh-CN" altLang="en-US"/>
+          </a:p>
+          <a:p>
+            <a:r>
+              <a:rPr lang="zh-CN" altLang="en-US"/>
+              <a:t>     AC Coupling</a:t>
+            </a:r>
+            <a:endParaRPr lang="zh-CN" altLang="en-US"/>
+          </a:p>
+          <a:p>
+            <a:endParaRPr lang="zh-CN" altLang="en-US"/>
+          </a:p>
+          <a:p>
+            <a:r>
+              <a:rPr lang="zh-CN" altLang="en-US"/>
+              <a:t>2) Energy Router</a:t>
+            </a:r>
+            <a:endParaRPr lang="zh-CN" altLang="en-US"/>
+          </a:p>
+          <a:p>
+            <a:r>
+              <a:rPr lang="zh-CN" altLang="en-US"/>
+              <a:t>     All in One Box</a:t>
+            </a:r>
+            <a:endParaRPr lang="zh-CN" altLang="en-US"/>
+          </a:p>
+          <a:p>
+            <a:r>
+              <a:rPr lang="zh-CN" altLang="en-US"/>
+              <a:t>     Hybrid</a:t>
+            </a:r>
+            <a:endParaRPr lang="zh-CN" altLang="en-US"/>
+          </a:p>
+        </p:txBody>
+      </p:sp>
+    </p:spTree>
+  </p:cSld>
+  <p:clrMapOvr>
+    <a:masterClrMapping/>
+  </p:clrMapOvr>
+  <mc:AlternateContent xmlns:mc="http://schemas.openxmlformats.org/markup-compatibility/2006">
+    <mc:Choice xmlns:p14="http://schemas.microsoft.com/office/powerpoint/2010/main" Requires="p14">
+      <p:transition spd="slow" p14:dur="700">
+        <p:fade/>
+      </p:transition>
+    </mc:Choice>
+    <mc:Fallback>
+      <p:transition spd="slow">
+        <p:fade/>
+      </p:transition>
+    </mc:Fallback>
+  </mc:AlternateContent>
+</p:sld>
+</file>
+
+<file path=ppt/slides/slide2.xml><?xml version="1.0" encoding="utf-8"?>
 <p:sld xmlns:a="http://schemas.openxmlformats.org/drawingml/2006/main" xmlns:r="http://schemas.openxmlformats.org/officeDocument/2006/relationships" xmlns:p="http://schemas.openxmlformats.org/presentationml/2006/main">
   <p:cSld>
     <p:spTree>
